--- a/Project 1 Slides - Fox.pptx
+++ b/Project 1 Slides - Fox.pptx
@@ -17,12 +17,9 @@
     <p:sldId id="259" r:id="rId11"/>
     <p:sldId id="260" r:id="rId12"/>
     <p:sldId id="261" r:id="rId13"/>
-    <p:sldId id="273" r:id="rId14"/>
-    <p:sldId id="278" r:id="rId15"/>
-    <p:sldId id="277" r:id="rId16"/>
-    <p:sldId id="279" r:id="rId17"/>
-    <p:sldId id="280" r:id="rId18"/>
-    <p:sldId id="281" r:id="rId19"/>
+    <p:sldId id="279" r:id="rId14"/>
+    <p:sldId id="280" r:id="rId15"/>
+    <p:sldId id="281" r:id="rId16"/>
   </p:sldIdLst>
   <p:sldSz cx="12192000" cy="6858000"/>
   <p:notesSz cx="6858000" cy="9144000"/>
@@ -339,7 +336,7 @@
   <pc:docChgLst>
     <pc:chgData name="Molly Fox" userId="d0c73aa7127c4df8" providerId="LiveId" clId="{8E8D590E-DE3B-41FC-A4F0-7EA4720AC8B7}"/>
     <pc:docChg chg="undo redo custSel addSld delSld modSld sldOrd">
-      <pc:chgData name="Molly Fox" userId="d0c73aa7127c4df8" providerId="LiveId" clId="{8E8D590E-DE3B-41FC-A4F0-7EA4720AC8B7}" dt="2024-08-11T20:27:00.423" v="3368"/>
+      <pc:chgData name="Molly Fox" userId="d0c73aa7127c4df8" providerId="LiveId" clId="{8E8D590E-DE3B-41FC-A4F0-7EA4720AC8B7}" dt="2024-08-11T20:38:38.468" v="3371" actId="47"/>
       <pc:docMkLst>
         <pc:docMk/>
       </pc:docMkLst>
@@ -719,8 +716,8 @@
           <pc:sldMk cId="1739029752" sldId="272"/>
         </pc:sldMkLst>
       </pc:sldChg>
-      <pc:sldChg chg="addSp delSp modSp new mod">
-        <pc:chgData name="Molly Fox" userId="d0c73aa7127c4df8" providerId="LiveId" clId="{8E8D590E-DE3B-41FC-A4F0-7EA4720AC8B7}" dt="2024-08-11T20:25:56.470" v="3343" actId="1035"/>
+      <pc:sldChg chg="addSp delSp modSp new del mod">
+        <pc:chgData name="Molly Fox" userId="d0c73aa7127c4df8" providerId="LiveId" clId="{8E8D590E-DE3B-41FC-A4F0-7EA4720AC8B7}" dt="2024-08-11T20:38:36.262" v="3369" actId="47"/>
         <pc:sldMkLst>
           <pc:docMk/>
           <pc:sldMk cId="4022044734" sldId="273"/>
@@ -1075,8 +1072,8 @@
           </ac:picMkLst>
         </pc:picChg>
       </pc:sldChg>
-      <pc:sldChg chg="addSp delSp modSp add mod ord">
-        <pc:chgData name="Molly Fox" userId="d0c73aa7127c4df8" providerId="LiveId" clId="{8E8D590E-DE3B-41FC-A4F0-7EA4720AC8B7}" dt="2024-08-11T20:26:01.094" v="3349" actId="1036"/>
+      <pc:sldChg chg="addSp delSp modSp add del mod ord">
+        <pc:chgData name="Molly Fox" userId="d0c73aa7127c4df8" providerId="LiveId" clId="{8E8D590E-DE3B-41FC-A4F0-7EA4720AC8B7}" dt="2024-08-11T20:38:38.468" v="3371" actId="47"/>
         <pc:sldMkLst>
           <pc:docMk/>
           <pc:sldMk cId="2207563824" sldId="277"/>
@@ -1274,8 +1271,8 @@
           </ac:picMkLst>
         </pc:picChg>
       </pc:sldChg>
-      <pc:sldChg chg="addSp delSp modSp add mod">
-        <pc:chgData name="Molly Fox" userId="d0c73aa7127c4df8" providerId="LiveId" clId="{8E8D590E-DE3B-41FC-A4F0-7EA4720AC8B7}" dt="2024-08-11T20:25:49.253" v="3339" actId="1035"/>
+      <pc:sldChg chg="addSp delSp modSp add del mod">
+        <pc:chgData name="Molly Fox" userId="d0c73aa7127c4df8" providerId="LiveId" clId="{8E8D590E-DE3B-41FC-A4F0-7EA4720AC8B7}" dt="2024-08-11T20:38:37.480" v="3370" actId="47"/>
         <pc:sldMkLst>
           <pc:docMk/>
           <pc:sldMk cId="602780004" sldId="278"/>
@@ -5761,1040 +5758,6 @@
       </p:sp>
       <p:pic>
         <p:nvPicPr>
-          <p:cNvPr id="7" name="Picture 6">
-            <a:extLst>
-              <a:ext uri="{FF2B5EF4-FFF2-40B4-BE49-F238E27FC236}">
-                <a16:creationId xmlns:a16="http://schemas.microsoft.com/office/drawing/2014/main" id="{9E46D400-5CF0-C71E-2620-584F2AF1E03E}"/>
-              </a:ext>
-            </a:extLst>
-          </p:cNvPr>
-          <p:cNvPicPr>
-            <a:picLocks noChangeAspect="1"/>
-          </p:cNvPicPr>
-          <p:nvPr/>
-        </p:nvPicPr>
-        <p:blipFill>
-          <a:blip r:embed="rId2"/>
-          <a:stretch>
-            <a:fillRect/>
-          </a:stretch>
-        </p:blipFill>
-        <p:spPr>
-          <a:xfrm>
-            <a:off x="71156" y="2154620"/>
-            <a:ext cx="7830267" cy="4703380"/>
-          </a:xfrm>
-          <a:prstGeom prst="rect">
-            <a:avLst/>
-          </a:prstGeom>
-        </p:spPr>
-      </p:pic>
-      <p:pic>
-        <p:nvPicPr>
-          <p:cNvPr id="12" name="Picture 11">
-            <a:extLst>
-              <a:ext uri="{FF2B5EF4-FFF2-40B4-BE49-F238E27FC236}">
-                <a16:creationId xmlns:a16="http://schemas.microsoft.com/office/drawing/2014/main" id="{DF9B91DA-24E2-5A2A-6098-21DF4BB3092D}"/>
-              </a:ext>
-            </a:extLst>
-          </p:cNvPr>
-          <p:cNvPicPr>
-            <a:picLocks noChangeAspect="1"/>
-          </p:cNvPicPr>
-          <p:nvPr/>
-        </p:nvPicPr>
-        <p:blipFill rotWithShape="1">
-          <a:blip r:embed="rId3"/>
-          <a:srcRect l="5149" t="5618" r="7487"/>
-          <a:stretch/>
-        </p:blipFill>
-        <p:spPr>
-          <a:xfrm>
-            <a:off x="7937825" y="2191942"/>
-            <a:ext cx="4254175" cy="3451684"/>
-          </a:xfrm>
-          <a:prstGeom prst="rect">
-            <a:avLst/>
-          </a:prstGeom>
-        </p:spPr>
-      </p:pic>
-    </p:spTree>
-    <p:extLst>
-      <p:ext uri="{BB962C8B-B14F-4D97-AF65-F5344CB8AC3E}">
-        <p14:creationId xmlns:p14="http://schemas.microsoft.com/office/powerpoint/2010/main" val="4022044734"/>
-      </p:ext>
-    </p:extLst>
-  </p:cSld>
-  <p:clrMapOvr>
-    <a:masterClrMapping/>
-  </p:clrMapOvr>
-</p:sld>
-</file>
-
-<file path=ppt/slides/slide14.xml><?xml version="1.0" encoding="utf-8"?>
-<p:sld xmlns:a="http://schemas.openxmlformats.org/drawingml/2006/main" xmlns:r="http://schemas.openxmlformats.org/officeDocument/2006/relationships" xmlns:p="http://schemas.openxmlformats.org/presentationml/2006/main">
-  <p:cSld>
-    <p:spTree>
-      <p:nvGrpSpPr>
-        <p:cNvPr id="1" name=""/>
-        <p:cNvGrpSpPr/>
-        <p:nvPr/>
-      </p:nvGrpSpPr>
-      <p:grpSpPr>
-        <a:xfrm>
-          <a:off x="0" y="0"/>
-          <a:ext cx="0" cy="0"/>
-          <a:chOff x="0" y="0"/>
-          <a:chExt cx="0" cy="0"/>
-        </a:xfrm>
-      </p:grpSpPr>
-      <p:sp>
-        <p:nvSpPr>
-          <p:cNvPr id="2" name="Title 1">
-            <a:extLst>
-              <a:ext uri="{FF2B5EF4-FFF2-40B4-BE49-F238E27FC236}">
-                <a16:creationId xmlns:a16="http://schemas.microsoft.com/office/drawing/2014/main" id="{D8542B15-EF49-F99F-D7B8-DFB474E83641}"/>
-              </a:ext>
-            </a:extLst>
-          </p:cNvPr>
-          <p:cNvSpPr>
-            <a:spLocks noGrp="1"/>
-          </p:cNvSpPr>
-          <p:nvPr>
-            <p:ph type="title"/>
-          </p:nvPr>
-        </p:nvSpPr>
-        <p:spPr>
-          <a:xfrm>
-            <a:off x="335291" y="165429"/>
-            <a:ext cx="11646502" cy="833054"/>
-          </a:xfrm>
-        </p:spPr>
-        <p:txBody>
-          <a:bodyPr/>
-          <a:lstStyle/>
-          <a:p>
-            <a:r>
-              <a:rPr lang="en-US" dirty="0"/>
-              <a:t>Topic 4: Average Freshwater Analysis</a:t>
-            </a:r>
-          </a:p>
-        </p:txBody>
-      </p:sp>
-      <p:sp>
-        <p:nvSpPr>
-          <p:cNvPr id="22" name="Content Placeholder 4">
-            <a:extLst>
-              <a:ext uri="{FF2B5EF4-FFF2-40B4-BE49-F238E27FC236}">
-                <a16:creationId xmlns:a16="http://schemas.microsoft.com/office/drawing/2014/main" id="{B7046D23-3C73-0582-EE75-77D294CA38BF}"/>
-              </a:ext>
-            </a:extLst>
-          </p:cNvPr>
-          <p:cNvSpPr txBox="1">
-            <a:spLocks/>
-          </p:cNvSpPr>
-          <p:nvPr/>
-        </p:nvSpPr>
-        <p:spPr>
-          <a:xfrm>
-            <a:off x="335291" y="998483"/>
-            <a:ext cx="11646502" cy="1156138"/>
-          </a:xfrm>
-          <a:prstGeom prst="rect">
-            <a:avLst/>
-          </a:prstGeom>
-        </p:spPr>
-        <p:txBody>
-          <a:bodyPr vert="horz" lIns="91440" tIns="45720" rIns="91440" bIns="45720" rtlCol="0" anchor="t">
-            <a:normAutofit/>
-          </a:bodyPr>
-          <a:lstStyle>
-            <a:lvl1pPr marL="0" indent="0" algn="l" defTabSz="914400" rtl="0" eaLnBrk="1" latinLnBrk="0" hangingPunct="1">
-              <a:lnSpc>
-                <a:spcPct val="90000"/>
-              </a:lnSpc>
-              <a:spcBef>
-                <a:spcPts val="1000"/>
-              </a:spcBef>
-              <a:buFont typeface="Arial" panose="020B0604020202020204" pitchFamily="34" charset="0"/>
-              <a:buNone/>
-              <a:defRPr sz="2400" b="1" kern="1200">
-                <a:solidFill>
-                  <a:schemeClr val="tx1"/>
-                </a:solidFill>
-                <a:latin typeface="+mn-lt"/>
-                <a:ea typeface="+mn-ea"/>
-                <a:cs typeface="+mn-cs"/>
-              </a:defRPr>
-            </a:lvl1pPr>
-            <a:lvl2pPr marL="457200" indent="0" algn="l" defTabSz="914400" rtl="0" eaLnBrk="1" latinLnBrk="0" hangingPunct="1">
-              <a:lnSpc>
-                <a:spcPct val="90000"/>
-              </a:lnSpc>
-              <a:spcBef>
-                <a:spcPts val="500"/>
-              </a:spcBef>
-              <a:buFont typeface="Arial" panose="020B0604020202020204" pitchFamily="34" charset="0"/>
-              <a:buNone/>
-              <a:defRPr sz="2000" b="1" kern="1200">
-                <a:solidFill>
-                  <a:schemeClr val="tx1"/>
-                </a:solidFill>
-                <a:latin typeface="+mn-lt"/>
-                <a:ea typeface="+mn-ea"/>
-                <a:cs typeface="+mn-cs"/>
-              </a:defRPr>
-            </a:lvl2pPr>
-            <a:lvl3pPr marL="914400" indent="0" algn="l" defTabSz="914400" rtl="0" eaLnBrk="1" latinLnBrk="0" hangingPunct="1">
-              <a:lnSpc>
-                <a:spcPct val="90000"/>
-              </a:lnSpc>
-              <a:spcBef>
-                <a:spcPts val="500"/>
-              </a:spcBef>
-              <a:buFont typeface="Arial" panose="020B0604020202020204" pitchFamily="34" charset="0"/>
-              <a:buNone/>
-              <a:defRPr sz="1800" b="1" kern="1200">
-                <a:solidFill>
-                  <a:schemeClr val="tx1"/>
-                </a:solidFill>
-                <a:latin typeface="+mn-lt"/>
-                <a:ea typeface="+mn-ea"/>
-                <a:cs typeface="+mn-cs"/>
-              </a:defRPr>
-            </a:lvl3pPr>
-            <a:lvl4pPr marL="1371600" indent="0" algn="l" defTabSz="914400" rtl="0" eaLnBrk="1" latinLnBrk="0" hangingPunct="1">
-              <a:lnSpc>
-                <a:spcPct val="90000"/>
-              </a:lnSpc>
-              <a:spcBef>
-                <a:spcPts val="500"/>
-              </a:spcBef>
-              <a:buFont typeface="Arial" panose="020B0604020202020204" pitchFamily="34" charset="0"/>
-              <a:buNone/>
-              <a:defRPr sz="1600" b="1" kern="1200">
-                <a:solidFill>
-                  <a:schemeClr val="tx1"/>
-                </a:solidFill>
-                <a:latin typeface="+mn-lt"/>
-                <a:ea typeface="+mn-ea"/>
-                <a:cs typeface="+mn-cs"/>
-              </a:defRPr>
-            </a:lvl4pPr>
-            <a:lvl5pPr marL="1828800" indent="0" algn="l" defTabSz="914400" rtl="0" eaLnBrk="1" latinLnBrk="0" hangingPunct="1">
-              <a:lnSpc>
-                <a:spcPct val="90000"/>
-              </a:lnSpc>
-              <a:spcBef>
-                <a:spcPts val="500"/>
-              </a:spcBef>
-              <a:buFont typeface="Arial" panose="020B0604020202020204" pitchFamily="34" charset="0"/>
-              <a:buNone/>
-              <a:defRPr sz="1600" b="1" kern="1200">
-                <a:solidFill>
-                  <a:schemeClr val="tx1"/>
-                </a:solidFill>
-                <a:latin typeface="+mn-lt"/>
-                <a:ea typeface="+mn-ea"/>
-                <a:cs typeface="+mn-cs"/>
-              </a:defRPr>
-            </a:lvl5pPr>
-            <a:lvl6pPr marL="2286000" indent="0" algn="l" defTabSz="914400" rtl="0" eaLnBrk="1" latinLnBrk="0" hangingPunct="1">
-              <a:lnSpc>
-                <a:spcPct val="90000"/>
-              </a:lnSpc>
-              <a:spcBef>
-                <a:spcPts val="500"/>
-              </a:spcBef>
-              <a:buFont typeface="Arial" panose="020B0604020202020204" pitchFamily="34" charset="0"/>
-              <a:buNone/>
-              <a:defRPr sz="1600" b="1" kern="1200">
-                <a:solidFill>
-                  <a:schemeClr val="tx1"/>
-                </a:solidFill>
-                <a:latin typeface="+mn-lt"/>
-                <a:ea typeface="+mn-ea"/>
-                <a:cs typeface="+mn-cs"/>
-              </a:defRPr>
-            </a:lvl6pPr>
-            <a:lvl7pPr marL="2743200" indent="0" algn="l" defTabSz="914400" rtl="0" eaLnBrk="1" latinLnBrk="0" hangingPunct="1">
-              <a:lnSpc>
-                <a:spcPct val="90000"/>
-              </a:lnSpc>
-              <a:spcBef>
-                <a:spcPts val="500"/>
-              </a:spcBef>
-              <a:buFont typeface="Arial" panose="020B0604020202020204" pitchFamily="34" charset="0"/>
-              <a:buNone/>
-              <a:defRPr sz="1600" b="1" kern="1200">
-                <a:solidFill>
-                  <a:schemeClr val="tx1"/>
-                </a:solidFill>
-                <a:latin typeface="+mn-lt"/>
-                <a:ea typeface="+mn-ea"/>
-                <a:cs typeface="+mn-cs"/>
-              </a:defRPr>
-            </a:lvl7pPr>
-            <a:lvl8pPr marL="3200400" indent="0" algn="l" defTabSz="914400" rtl="0" eaLnBrk="1" latinLnBrk="0" hangingPunct="1">
-              <a:lnSpc>
-                <a:spcPct val="90000"/>
-              </a:lnSpc>
-              <a:spcBef>
-                <a:spcPts val="500"/>
-              </a:spcBef>
-              <a:buFont typeface="Arial" panose="020B0604020202020204" pitchFamily="34" charset="0"/>
-              <a:buNone/>
-              <a:defRPr sz="1600" b="1" kern="1200">
-                <a:solidFill>
-                  <a:schemeClr val="tx1"/>
-                </a:solidFill>
-                <a:latin typeface="+mn-lt"/>
-                <a:ea typeface="+mn-ea"/>
-                <a:cs typeface="+mn-cs"/>
-              </a:defRPr>
-            </a:lvl8pPr>
-            <a:lvl9pPr marL="3657600" indent="0" algn="l" defTabSz="914400" rtl="0" eaLnBrk="1" latinLnBrk="0" hangingPunct="1">
-              <a:lnSpc>
-                <a:spcPct val="90000"/>
-              </a:lnSpc>
-              <a:spcBef>
-                <a:spcPts val="500"/>
-              </a:spcBef>
-              <a:buFont typeface="Arial" panose="020B0604020202020204" pitchFamily="34" charset="0"/>
-              <a:buNone/>
-              <a:defRPr sz="1600" b="1" kern="1200">
-                <a:solidFill>
-                  <a:schemeClr val="tx1"/>
-                </a:solidFill>
-                <a:latin typeface="+mn-lt"/>
-                <a:ea typeface="+mn-ea"/>
-                <a:cs typeface="+mn-cs"/>
-              </a:defRPr>
-            </a:lvl9pPr>
-          </a:lstStyle>
-          <a:p>
-            <a:pPr marL="342900" indent="-342900">
-              <a:buFont typeface="Arial" panose="020B0604020202020204" pitchFamily="34" charset="0"/>
-              <a:buChar char="•"/>
-            </a:pPr>
-            <a:r>
-              <a:rPr lang="en-US" b="0" dirty="0"/>
-              <a:t>Conflicts and Freshwater over time appear to be slightly correlated. </a:t>
-            </a:r>
-          </a:p>
-          <a:p>
-            <a:pPr marL="342900" indent="-342900">
-              <a:buFont typeface="Arial" panose="020B0604020202020204" pitchFamily="34" charset="0"/>
-              <a:buChar char="•"/>
-            </a:pPr>
-            <a:r>
-              <a:rPr lang="en-US" b="0" dirty="0"/>
-              <a:t>The calculated </a:t>
-            </a:r>
-            <a:r>
-              <a:rPr lang="en-US" b="0" dirty="0" err="1"/>
-              <a:t>r-value</a:t>
-            </a:r>
-            <a:r>
-              <a:rPr lang="en-US" b="0" dirty="0"/>
-              <a:t> is 0.16, indicating a very weak positive correlation.</a:t>
-            </a:r>
-          </a:p>
-        </p:txBody>
-      </p:sp>
-      <p:pic>
-        <p:nvPicPr>
-          <p:cNvPr id="9" name="Picture 8">
-            <a:extLst>
-              <a:ext uri="{FF2B5EF4-FFF2-40B4-BE49-F238E27FC236}">
-                <a16:creationId xmlns:a16="http://schemas.microsoft.com/office/drawing/2014/main" id="{86C77B2D-F21D-F898-5E2A-BD0BD20E5F31}"/>
-              </a:ext>
-            </a:extLst>
-          </p:cNvPr>
-          <p:cNvPicPr>
-            <a:picLocks noChangeAspect="1"/>
-          </p:cNvPicPr>
-          <p:nvPr/>
-        </p:nvPicPr>
-        <p:blipFill>
-          <a:blip r:embed="rId2"/>
-          <a:stretch>
-            <a:fillRect/>
-          </a:stretch>
-        </p:blipFill>
-        <p:spPr>
-          <a:xfrm>
-            <a:off x="71156" y="2148390"/>
-            <a:ext cx="7840637" cy="4709609"/>
-          </a:xfrm>
-          <a:prstGeom prst="rect">
-            <a:avLst/>
-          </a:prstGeom>
-        </p:spPr>
-      </p:pic>
-      <p:pic>
-        <p:nvPicPr>
-          <p:cNvPr id="14" name="Picture 13">
-            <a:extLst>
-              <a:ext uri="{FF2B5EF4-FFF2-40B4-BE49-F238E27FC236}">
-                <a16:creationId xmlns:a16="http://schemas.microsoft.com/office/drawing/2014/main" id="{AA3AAFE6-96F0-ED61-B1BA-DB3257DF9109}"/>
-              </a:ext>
-            </a:extLst>
-          </p:cNvPr>
-          <p:cNvPicPr>
-            <a:picLocks noChangeAspect="1"/>
-          </p:cNvPicPr>
-          <p:nvPr/>
-        </p:nvPicPr>
-        <p:blipFill rotWithShape="1">
-          <a:blip r:embed="rId3"/>
-          <a:srcRect l="3554" t="5529" r="7327"/>
-          <a:stretch/>
-        </p:blipFill>
-        <p:spPr>
-          <a:xfrm>
-            <a:off x="7877465" y="2208351"/>
-            <a:ext cx="4295873" cy="3420152"/>
-          </a:xfrm>
-          <a:prstGeom prst="rect">
-            <a:avLst/>
-          </a:prstGeom>
-        </p:spPr>
-      </p:pic>
-    </p:spTree>
-    <p:extLst>
-      <p:ext uri="{BB962C8B-B14F-4D97-AF65-F5344CB8AC3E}">
-        <p14:creationId xmlns:p14="http://schemas.microsoft.com/office/powerpoint/2010/main" val="602780004"/>
-      </p:ext>
-    </p:extLst>
-  </p:cSld>
-  <p:clrMapOvr>
-    <a:masterClrMapping/>
-  </p:clrMapOvr>
-</p:sld>
-</file>
-
-<file path=ppt/slides/slide15.xml><?xml version="1.0" encoding="utf-8"?>
-<p:sld xmlns:a="http://schemas.openxmlformats.org/drawingml/2006/main" xmlns:r="http://schemas.openxmlformats.org/officeDocument/2006/relationships" xmlns:p="http://schemas.openxmlformats.org/presentationml/2006/main">
-  <p:cSld>
-    <p:spTree>
-      <p:nvGrpSpPr>
-        <p:cNvPr id="1" name=""/>
-        <p:cNvGrpSpPr/>
-        <p:nvPr/>
-      </p:nvGrpSpPr>
-      <p:grpSpPr>
-        <a:xfrm>
-          <a:off x="0" y="0"/>
-          <a:ext cx="0" cy="0"/>
-          <a:chOff x="0" y="0"/>
-          <a:chExt cx="0" cy="0"/>
-        </a:xfrm>
-      </p:grpSpPr>
-      <p:sp>
-        <p:nvSpPr>
-          <p:cNvPr id="2" name="Title 1">
-            <a:extLst>
-              <a:ext uri="{FF2B5EF4-FFF2-40B4-BE49-F238E27FC236}">
-                <a16:creationId xmlns:a16="http://schemas.microsoft.com/office/drawing/2014/main" id="{D8542B15-EF49-F99F-D7B8-DFB474E83641}"/>
-              </a:ext>
-            </a:extLst>
-          </p:cNvPr>
-          <p:cNvSpPr>
-            <a:spLocks noGrp="1"/>
-          </p:cNvSpPr>
-          <p:nvPr>
-            <p:ph type="title"/>
-          </p:nvPr>
-        </p:nvSpPr>
-        <p:spPr>
-          <a:xfrm>
-            <a:off x="335291" y="165429"/>
-            <a:ext cx="11646502" cy="833054"/>
-          </a:xfrm>
-        </p:spPr>
-        <p:txBody>
-          <a:bodyPr/>
-          <a:lstStyle/>
-          <a:p>
-            <a:r>
-              <a:rPr lang="en-US" dirty="0"/>
-              <a:t>Topic 4: Average Surface </a:t>
-            </a:r>
-            <a:r>
-              <a:rPr lang="en-US"/>
-              <a:t>Temperature Analysis</a:t>
-            </a:r>
-            <a:endParaRPr lang="en-US" dirty="0"/>
-          </a:p>
-        </p:txBody>
-      </p:sp>
-      <p:sp>
-        <p:nvSpPr>
-          <p:cNvPr id="22" name="Content Placeholder 4">
-            <a:extLst>
-              <a:ext uri="{FF2B5EF4-FFF2-40B4-BE49-F238E27FC236}">
-                <a16:creationId xmlns:a16="http://schemas.microsoft.com/office/drawing/2014/main" id="{B7046D23-3C73-0582-EE75-77D294CA38BF}"/>
-              </a:ext>
-            </a:extLst>
-          </p:cNvPr>
-          <p:cNvSpPr txBox="1">
-            <a:spLocks/>
-          </p:cNvSpPr>
-          <p:nvPr/>
-        </p:nvSpPr>
-        <p:spPr>
-          <a:xfrm>
-            <a:off x="335291" y="998483"/>
-            <a:ext cx="11646502" cy="1156138"/>
-          </a:xfrm>
-          <a:prstGeom prst="rect">
-            <a:avLst/>
-          </a:prstGeom>
-        </p:spPr>
-        <p:txBody>
-          <a:bodyPr vert="horz" lIns="91440" tIns="45720" rIns="91440" bIns="45720" rtlCol="0" anchor="t">
-            <a:normAutofit/>
-          </a:bodyPr>
-          <a:lstStyle>
-            <a:lvl1pPr marL="0" indent="0" algn="l" defTabSz="914400" rtl="0" eaLnBrk="1" latinLnBrk="0" hangingPunct="1">
-              <a:lnSpc>
-                <a:spcPct val="90000"/>
-              </a:lnSpc>
-              <a:spcBef>
-                <a:spcPts val="1000"/>
-              </a:spcBef>
-              <a:buFont typeface="Arial" panose="020B0604020202020204" pitchFamily="34" charset="0"/>
-              <a:buNone/>
-              <a:defRPr sz="2400" b="1" kern="1200">
-                <a:solidFill>
-                  <a:schemeClr val="tx1"/>
-                </a:solidFill>
-                <a:latin typeface="+mn-lt"/>
-                <a:ea typeface="+mn-ea"/>
-                <a:cs typeface="+mn-cs"/>
-              </a:defRPr>
-            </a:lvl1pPr>
-            <a:lvl2pPr marL="457200" indent="0" algn="l" defTabSz="914400" rtl="0" eaLnBrk="1" latinLnBrk="0" hangingPunct="1">
-              <a:lnSpc>
-                <a:spcPct val="90000"/>
-              </a:lnSpc>
-              <a:spcBef>
-                <a:spcPts val="500"/>
-              </a:spcBef>
-              <a:buFont typeface="Arial" panose="020B0604020202020204" pitchFamily="34" charset="0"/>
-              <a:buNone/>
-              <a:defRPr sz="2000" b="1" kern="1200">
-                <a:solidFill>
-                  <a:schemeClr val="tx1"/>
-                </a:solidFill>
-                <a:latin typeface="+mn-lt"/>
-                <a:ea typeface="+mn-ea"/>
-                <a:cs typeface="+mn-cs"/>
-              </a:defRPr>
-            </a:lvl2pPr>
-            <a:lvl3pPr marL="914400" indent="0" algn="l" defTabSz="914400" rtl="0" eaLnBrk="1" latinLnBrk="0" hangingPunct="1">
-              <a:lnSpc>
-                <a:spcPct val="90000"/>
-              </a:lnSpc>
-              <a:spcBef>
-                <a:spcPts val="500"/>
-              </a:spcBef>
-              <a:buFont typeface="Arial" panose="020B0604020202020204" pitchFamily="34" charset="0"/>
-              <a:buNone/>
-              <a:defRPr sz="1800" b="1" kern="1200">
-                <a:solidFill>
-                  <a:schemeClr val="tx1"/>
-                </a:solidFill>
-                <a:latin typeface="+mn-lt"/>
-                <a:ea typeface="+mn-ea"/>
-                <a:cs typeface="+mn-cs"/>
-              </a:defRPr>
-            </a:lvl3pPr>
-            <a:lvl4pPr marL="1371600" indent="0" algn="l" defTabSz="914400" rtl="0" eaLnBrk="1" latinLnBrk="0" hangingPunct="1">
-              <a:lnSpc>
-                <a:spcPct val="90000"/>
-              </a:lnSpc>
-              <a:spcBef>
-                <a:spcPts val="500"/>
-              </a:spcBef>
-              <a:buFont typeface="Arial" panose="020B0604020202020204" pitchFamily="34" charset="0"/>
-              <a:buNone/>
-              <a:defRPr sz="1600" b="1" kern="1200">
-                <a:solidFill>
-                  <a:schemeClr val="tx1"/>
-                </a:solidFill>
-                <a:latin typeface="+mn-lt"/>
-                <a:ea typeface="+mn-ea"/>
-                <a:cs typeface="+mn-cs"/>
-              </a:defRPr>
-            </a:lvl4pPr>
-            <a:lvl5pPr marL="1828800" indent="0" algn="l" defTabSz="914400" rtl="0" eaLnBrk="1" latinLnBrk="0" hangingPunct="1">
-              <a:lnSpc>
-                <a:spcPct val="90000"/>
-              </a:lnSpc>
-              <a:spcBef>
-                <a:spcPts val="500"/>
-              </a:spcBef>
-              <a:buFont typeface="Arial" panose="020B0604020202020204" pitchFamily="34" charset="0"/>
-              <a:buNone/>
-              <a:defRPr sz="1600" b="1" kern="1200">
-                <a:solidFill>
-                  <a:schemeClr val="tx1"/>
-                </a:solidFill>
-                <a:latin typeface="+mn-lt"/>
-                <a:ea typeface="+mn-ea"/>
-                <a:cs typeface="+mn-cs"/>
-              </a:defRPr>
-            </a:lvl5pPr>
-            <a:lvl6pPr marL="2286000" indent="0" algn="l" defTabSz="914400" rtl="0" eaLnBrk="1" latinLnBrk="0" hangingPunct="1">
-              <a:lnSpc>
-                <a:spcPct val="90000"/>
-              </a:lnSpc>
-              <a:spcBef>
-                <a:spcPts val="500"/>
-              </a:spcBef>
-              <a:buFont typeface="Arial" panose="020B0604020202020204" pitchFamily="34" charset="0"/>
-              <a:buNone/>
-              <a:defRPr sz="1600" b="1" kern="1200">
-                <a:solidFill>
-                  <a:schemeClr val="tx1"/>
-                </a:solidFill>
-                <a:latin typeface="+mn-lt"/>
-                <a:ea typeface="+mn-ea"/>
-                <a:cs typeface="+mn-cs"/>
-              </a:defRPr>
-            </a:lvl6pPr>
-            <a:lvl7pPr marL="2743200" indent="0" algn="l" defTabSz="914400" rtl="0" eaLnBrk="1" latinLnBrk="0" hangingPunct="1">
-              <a:lnSpc>
-                <a:spcPct val="90000"/>
-              </a:lnSpc>
-              <a:spcBef>
-                <a:spcPts val="500"/>
-              </a:spcBef>
-              <a:buFont typeface="Arial" panose="020B0604020202020204" pitchFamily="34" charset="0"/>
-              <a:buNone/>
-              <a:defRPr sz="1600" b="1" kern="1200">
-                <a:solidFill>
-                  <a:schemeClr val="tx1"/>
-                </a:solidFill>
-                <a:latin typeface="+mn-lt"/>
-                <a:ea typeface="+mn-ea"/>
-                <a:cs typeface="+mn-cs"/>
-              </a:defRPr>
-            </a:lvl7pPr>
-            <a:lvl8pPr marL="3200400" indent="0" algn="l" defTabSz="914400" rtl="0" eaLnBrk="1" latinLnBrk="0" hangingPunct="1">
-              <a:lnSpc>
-                <a:spcPct val="90000"/>
-              </a:lnSpc>
-              <a:spcBef>
-                <a:spcPts val="500"/>
-              </a:spcBef>
-              <a:buFont typeface="Arial" panose="020B0604020202020204" pitchFamily="34" charset="0"/>
-              <a:buNone/>
-              <a:defRPr sz="1600" b="1" kern="1200">
-                <a:solidFill>
-                  <a:schemeClr val="tx1"/>
-                </a:solidFill>
-                <a:latin typeface="+mn-lt"/>
-                <a:ea typeface="+mn-ea"/>
-                <a:cs typeface="+mn-cs"/>
-              </a:defRPr>
-            </a:lvl8pPr>
-            <a:lvl9pPr marL="3657600" indent="0" algn="l" defTabSz="914400" rtl="0" eaLnBrk="1" latinLnBrk="0" hangingPunct="1">
-              <a:lnSpc>
-                <a:spcPct val="90000"/>
-              </a:lnSpc>
-              <a:spcBef>
-                <a:spcPts val="500"/>
-              </a:spcBef>
-              <a:buFont typeface="Arial" panose="020B0604020202020204" pitchFamily="34" charset="0"/>
-              <a:buNone/>
-              <a:defRPr sz="1600" b="1" kern="1200">
-                <a:solidFill>
-                  <a:schemeClr val="tx1"/>
-                </a:solidFill>
-                <a:latin typeface="+mn-lt"/>
-                <a:ea typeface="+mn-ea"/>
-                <a:cs typeface="+mn-cs"/>
-              </a:defRPr>
-            </a:lvl9pPr>
-          </a:lstStyle>
-          <a:p>
-            <a:pPr marL="342900" indent="-342900">
-              <a:buFont typeface="Arial" panose="020B0604020202020204" pitchFamily="34" charset="0"/>
-              <a:buChar char="•"/>
-            </a:pPr>
-            <a:r>
-              <a:rPr lang="en-US" b="0" dirty="0"/>
-              <a:t>Conflicts and surface temperature over time appear to be slightly correlated. </a:t>
-            </a:r>
-          </a:p>
-          <a:p>
-            <a:pPr marL="342900" indent="-342900">
-              <a:buFont typeface="Arial" panose="020B0604020202020204" pitchFamily="34" charset="0"/>
-              <a:buChar char="•"/>
-            </a:pPr>
-            <a:r>
-              <a:rPr lang="en-US" b="0" dirty="0"/>
-              <a:t>The calculated </a:t>
-            </a:r>
-            <a:r>
-              <a:rPr lang="en-US" b="0" dirty="0" err="1"/>
-              <a:t>r-value</a:t>
-            </a:r>
-            <a:r>
-              <a:rPr lang="en-US" b="0" dirty="0"/>
-              <a:t> is 0.04, indicating almost no correlation.</a:t>
-            </a:r>
-          </a:p>
-        </p:txBody>
-      </p:sp>
-      <p:pic>
-        <p:nvPicPr>
-          <p:cNvPr id="8" name="Picture 7">
-            <a:extLst>
-              <a:ext uri="{FF2B5EF4-FFF2-40B4-BE49-F238E27FC236}">
-                <a16:creationId xmlns:a16="http://schemas.microsoft.com/office/drawing/2014/main" id="{9175D602-EB27-4734-E7A0-15A680504025}"/>
-              </a:ext>
-            </a:extLst>
-          </p:cNvPr>
-          <p:cNvPicPr>
-            <a:picLocks noChangeAspect="1"/>
-          </p:cNvPicPr>
-          <p:nvPr/>
-        </p:nvPicPr>
-        <p:blipFill>
-          <a:blip r:embed="rId2"/>
-          <a:stretch>
-            <a:fillRect/>
-          </a:stretch>
-        </p:blipFill>
-        <p:spPr>
-          <a:xfrm>
-            <a:off x="63888" y="2151506"/>
-            <a:ext cx="7844156" cy="4706494"/>
-          </a:xfrm>
-          <a:prstGeom prst="rect">
-            <a:avLst/>
-          </a:prstGeom>
-        </p:spPr>
-      </p:pic>
-      <p:pic>
-        <p:nvPicPr>
-          <p:cNvPr id="15" name="Picture 14">
-            <a:extLst>
-              <a:ext uri="{FF2B5EF4-FFF2-40B4-BE49-F238E27FC236}">
-                <a16:creationId xmlns:a16="http://schemas.microsoft.com/office/drawing/2014/main" id="{96405A70-6F25-FF3D-A705-1AEC3540FD2C}"/>
-              </a:ext>
-            </a:extLst>
-          </p:cNvPr>
-          <p:cNvPicPr>
-            <a:picLocks noChangeAspect="1"/>
-          </p:cNvPicPr>
-          <p:nvPr/>
-        </p:nvPicPr>
-        <p:blipFill rotWithShape="1">
-          <a:blip r:embed="rId3"/>
-          <a:srcRect l="7540" t="5529" r="7168"/>
-          <a:stretch/>
-        </p:blipFill>
-        <p:spPr>
-          <a:xfrm>
-            <a:off x="8038919" y="2207492"/>
-            <a:ext cx="4153081" cy="3454797"/>
-          </a:xfrm>
-          <a:prstGeom prst="rect">
-            <a:avLst/>
-          </a:prstGeom>
-        </p:spPr>
-      </p:pic>
-    </p:spTree>
-    <p:extLst>
-      <p:ext uri="{BB962C8B-B14F-4D97-AF65-F5344CB8AC3E}">
-        <p14:creationId xmlns:p14="http://schemas.microsoft.com/office/powerpoint/2010/main" val="2207563824"/>
-      </p:ext>
-    </p:extLst>
-  </p:cSld>
-  <p:clrMapOvr>
-    <a:masterClrMapping/>
-  </p:clrMapOvr>
-</p:sld>
-</file>
-
-<file path=ppt/slides/slide16.xml><?xml version="1.0" encoding="utf-8"?>
-<p:sld xmlns:a="http://schemas.openxmlformats.org/drawingml/2006/main" xmlns:r="http://schemas.openxmlformats.org/officeDocument/2006/relationships" xmlns:p="http://schemas.openxmlformats.org/presentationml/2006/main">
-  <p:cSld>
-    <p:spTree>
-      <p:nvGrpSpPr>
-        <p:cNvPr id="1" name=""/>
-        <p:cNvGrpSpPr/>
-        <p:nvPr/>
-      </p:nvGrpSpPr>
-      <p:grpSpPr>
-        <a:xfrm>
-          <a:off x="0" y="0"/>
-          <a:ext cx="0" cy="0"/>
-          <a:chOff x="0" y="0"/>
-          <a:chExt cx="0" cy="0"/>
-        </a:xfrm>
-      </p:grpSpPr>
-      <p:sp>
-        <p:nvSpPr>
-          <p:cNvPr id="2" name="Title 1">
-            <a:extLst>
-              <a:ext uri="{FF2B5EF4-FFF2-40B4-BE49-F238E27FC236}">
-                <a16:creationId xmlns:a16="http://schemas.microsoft.com/office/drawing/2014/main" id="{D8542B15-EF49-F99F-D7B8-DFB474E83641}"/>
-              </a:ext>
-            </a:extLst>
-          </p:cNvPr>
-          <p:cNvSpPr>
-            <a:spLocks noGrp="1"/>
-          </p:cNvSpPr>
-          <p:nvPr>
-            <p:ph type="title"/>
-          </p:nvPr>
-        </p:nvSpPr>
-        <p:spPr>
-          <a:xfrm>
-            <a:off x="335291" y="165429"/>
-            <a:ext cx="11646502" cy="833054"/>
-          </a:xfrm>
-        </p:spPr>
-        <p:txBody>
-          <a:bodyPr/>
-          <a:lstStyle/>
-          <a:p>
-            <a:r>
-              <a:rPr lang="en-US" dirty="0"/>
-              <a:t>Topic 4: Average Precipitation Analysis</a:t>
-            </a:r>
-          </a:p>
-        </p:txBody>
-      </p:sp>
-      <p:sp>
-        <p:nvSpPr>
-          <p:cNvPr id="22" name="Content Placeholder 4">
-            <a:extLst>
-              <a:ext uri="{FF2B5EF4-FFF2-40B4-BE49-F238E27FC236}">
-                <a16:creationId xmlns:a16="http://schemas.microsoft.com/office/drawing/2014/main" id="{B7046D23-3C73-0582-EE75-77D294CA38BF}"/>
-              </a:ext>
-            </a:extLst>
-          </p:cNvPr>
-          <p:cNvSpPr txBox="1">
-            <a:spLocks/>
-          </p:cNvSpPr>
-          <p:nvPr/>
-        </p:nvSpPr>
-        <p:spPr>
-          <a:xfrm>
-            <a:off x="335291" y="998483"/>
-            <a:ext cx="11646502" cy="1156138"/>
-          </a:xfrm>
-          <a:prstGeom prst="rect">
-            <a:avLst/>
-          </a:prstGeom>
-        </p:spPr>
-        <p:txBody>
-          <a:bodyPr vert="horz" lIns="91440" tIns="45720" rIns="91440" bIns="45720" rtlCol="0" anchor="t">
-            <a:normAutofit/>
-          </a:bodyPr>
-          <a:lstStyle>
-            <a:lvl1pPr marL="0" indent="0" algn="l" defTabSz="914400" rtl="0" eaLnBrk="1" latinLnBrk="0" hangingPunct="1">
-              <a:lnSpc>
-                <a:spcPct val="90000"/>
-              </a:lnSpc>
-              <a:spcBef>
-                <a:spcPts val="1000"/>
-              </a:spcBef>
-              <a:buFont typeface="Arial" panose="020B0604020202020204" pitchFamily="34" charset="0"/>
-              <a:buNone/>
-              <a:defRPr sz="2400" b="1" kern="1200">
-                <a:solidFill>
-                  <a:schemeClr val="tx1"/>
-                </a:solidFill>
-                <a:latin typeface="+mn-lt"/>
-                <a:ea typeface="+mn-ea"/>
-                <a:cs typeface="+mn-cs"/>
-              </a:defRPr>
-            </a:lvl1pPr>
-            <a:lvl2pPr marL="457200" indent="0" algn="l" defTabSz="914400" rtl="0" eaLnBrk="1" latinLnBrk="0" hangingPunct="1">
-              <a:lnSpc>
-                <a:spcPct val="90000"/>
-              </a:lnSpc>
-              <a:spcBef>
-                <a:spcPts val="500"/>
-              </a:spcBef>
-              <a:buFont typeface="Arial" panose="020B0604020202020204" pitchFamily="34" charset="0"/>
-              <a:buNone/>
-              <a:defRPr sz="2000" b="1" kern="1200">
-                <a:solidFill>
-                  <a:schemeClr val="tx1"/>
-                </a:solidFill>
-                <a:latin typeface="+mn-lt"/>
-                <a:ea typeface="+mn-ea"/>
-                <a:cs typeface="+mn-cs"/>
-              </a:defRPr>
-            </a:lvl2pPr>
-            <a:lvl3pPr marL="914400" indent="0" algn="l" defTabSz="914400" rtl="0" eaLnBrk="1" latinLnBrk="0" hangingPunct="1">
-              <a:lnSpc>
-                <a:spcPct val="90000"/>
-              </a:lnSpc>
-              <a:spcBef>
-                <a:spcPts val="500"/>
-              </a:spcBef>
-              <a:buFont typeface="Arial" panose="020B0604020202020204" pitchFamily="34" charset="0"/>
-              <a:buNone/>
-              <a:defRPr sz="1800" b="1" kern="1200">
-                <a:solidFill>
-                  <a:schemeClr val="tx1"/>
-                </a:solidFill>
-                <a:latin typeface="+mn-lt"/>
-                <a:ea typeface="+mn-ea"/>
-                <a:cs typeface="+mn-cs"/>
-              </a:defRPr>
-            </a:lvl3pPr>
-            <a:lvl4pPr marL="1371600" indent="0" algn="l" defTabSz="914400" rtl="0" eaLnBrk="1" latinLnBrk="0" hangingPunct="1">
-              <a:lnSpc>
-                <a:spcPct val="90000"/>
-              </a:lnSpc>
-              <a:spcBef>
-                <a:spcPts val="500"/>
-              </a:spcBef>
-              <a:buFont typeface="Arial" panose="020B0604020202020204" pitchFamily="34" charset="0"/>
-              <a:buNone/>
-              <a:defRPr sz="1600" b="1" kern="1200">
-                <a:solidFill>
-                  <a:schemeClr val="tx1"/>
-                </a:solidFill>
-                <a:latin typeface="+mn-lt"/>
-                <a:ea typeface="+mn-ea"/>
-                <a:cs typeface="+mn-cs"/>
-              </a:defRPr>
-            </a:lvl4pPr>
-            <a:lvl5pPr marL="1828800" indent="0" algn="l" defTabSz="914400" rtl="0" eaLnBrk="1" latinLnBrk="0" hangingPunct="1">
-              <a:lnSpc>
-                <a:spcPct val="90000"/>
-              </a:lnSpc>
-              <a:spcBef>
-                <a:spcPts val="500"/>
-              </a:spcBef>
-              <a:buFont typeface="Arial" panose="020B0604020202020204" pitchFamily="34" charset="0"/>
-              <a:buNone/>
-              <a:defRPr sz="1600" b="1" kern="1200">
-                <a:solidFill>
-                  <a:schemeClr val="tx1"/>
-                </a:solidFill>
-                <a:latin typeface="+mn-lt"/>
-                <a:ea typeface="+mn-ea"/>
-                <a:cs typeface="+mn-cs"/>
-              </a:defRPr>
-            </a:lvl5pPr>
-            <a:lvl6pPr marL="2286000" indent="0" algn="l" defTabSz="914400" rtl="0" eaLnBrk="1" latinLnBrk="0" hangingPunct="1">
-              <a:lnSpc>
-                <a:spcPct val="90000"/>
-              </a:lnSpc>
-              <a:spcBef>
-                <a:spcPts val="500"/>
-              </a:spcBef>
-              <a:buFont typeface="Arial" panose="020B0604020202020204" pitchFamily="34" charset="0"/>
-              <a:buNone/>
-              <a:defRPr sz="1600" b="1" kern="1200">
-                <a:solidFill>
-                  <a:schemeClr val="tx1"/>
-                </a:solidFill>
-                <a:latin typeface="+mn-lt"/>
-                <a:ea typeface="+mn-ea"/>
-                <a:cs typeface="+mn-cs"/>
-              </a:defRPr>
-            </a:lvl6pPr>
-            <a:lvl7pPr marL="2743200" indent="0" algn="l" defTabSz="914400" rtl="0" eaLnBrk="1" latinLnBrk="0" hangingPunct="1">
-              <a:lnSpc>
-                <a:spcPct val="90000"/>
-              </a:lnSpc>
-              <a:spcBef>
-                <a:spcPts val="500"/>
-              </a:spcBef>
-              <a:buFont typeface="Arial" panose="020B0604020202020204" pitchFamily="34" charset="0"/>
-              <a:buNone/>
-              <a:defRPr sz="1600" b="1" kern="1200">
-                <a:solidFill>
-                  <a:schemeClr val="tx1"/>
-                </a:solidFill>
-                <a:latin typeface="+mn-lt"/>
-                <a:ea typeface="+mn-ea"/>
-                <a:cs typeface="+mn-cs"/>
-              </a:defRPr>
-            </a:lvl7pPr>
-            <a:lvl8pPr marL="3200400" indent="0" algn="l" defTabSz="914400" rtl="0" eaLnBrk="1" latinLnBrk="0" hangingPunct="1">
-              <a:lnSpc>
-                <a:spcPct val="90000"/>
-              </a:lnSpc>
-              <a:spcBef>
-                <a:spcPts val="500"/>
-              </a:spcBef>
-              <a:buFont typeface="Arial" panose="020B0604020202020204" pitchFamily="34" charset="0"/>
-              <a:buNone/>
-              <a:defRPr sz="1600" b="1" kern="1200">
-                <a:solidFill>
-                  <a:schemeClr val="tx1"/>
-                </a:solidFill>
-                <a:latin typeface="+mn-lt"/>
-                <a:ea typeface="+mn-ea"/>
-                <a:cs typeface="+mn-cs"/>
-              </a:defRPr>
-            </a:lvl8pPr>
-            <a:lvl9pPr marL="3657600" indent="0" algn="l" defTabSz="914400" rtl="0" eaLnBrk="1" latinLnBrk="0" hangingPunct="1">
-              <a:lnSpc>
-                <a:spcPct val="90000"/>
-              </a:lnSpc>
-              <a:spcBef>
-                <a:spcPts val="500"/>
-              </a:spcBef>
-              <a:buFont typeface="Arial" panose="020B0604020202020204" pitchFamily="34" charset="0"/>
-              <a:buNone/>
-              <a:defRPr sz="1600" b="1" kern="1200">
-                <a:solidFill>
-                  <a:schemeClr val="tx1"/>
-                </a:solidFill>
-                <a:latin typeface="+mn-lt"/>
-                <a:ea typeface="+mn-ea"/>
-                <a:cs typeface="+mn-cs"/>
-              </a:defRPr>
-            </a:lvl9pPr>
-          </a:lstStyle>
-          <a:p>
-            <a:pPr marL="342900" indent="-342900">
-              <a:buFont typeface="Arial" panose="020B0604020202020204" pitchFamily="34" charset="0"/>
-              <a:buChar char="•"/>
-            </a:pPr>
-            <a:r>
-              <a:rPr lang="en-US" b="0" dirty="0"/>
-              <a:t>Conflicts and precipitation over time appear to be slightly correlated. </a:t>
-            </a:r>
-          </a:p>
-          <a:p>
-            <a:pPr marL="342900" indent="-342900">
-              <a:buFont typeface="Arial" panose="020B0604020202020204" pitchFamily="34" charset="0"/>
-              <a:buChar char="•"/>
-            </a:pPr>
-            <a:r>
-              <a:rPr lang="en-US" b="0" dirty="0"/>
-              <a:t>The calculated </a:t>
-            </a:r>
-            <a:r>
-              <a:rPr lang="en-US" b="0" dirty="0" err="1"/>
-              <a:t>r-value</a:t>
-            </a:r>
-            <a:r>
-              <a:rPr lang="en-US" b="0" dirty="0"/>
-              <a:t> is 0.03, indicating almost no correlation.</a:t>
-            </a:r>
-          </a:p>
-        </p:txBody>
-      </p:sp>
-      <p:pic>
-        <p:nvPicPr>
           <p:cNvPr id="12" name="Picture 11">
             <a:extLst>
               <a:ext uri="{FF2B5EF4-FFF2-40B4-BE49-F238E27FC236}">
@@ -6865,7 +5828,7 @@
 </p:sld>
 </file>
 
-<file path=ppt/slides/slide17.xml><?xml version="1.0" encoding="utf-8"?>
+<file path=ppt/slides/slide14.xml><?xml version="1.0" encoding="utf-8"?>
 <p:sld xmlns:a="http://schemas.openxmlformats.org/drawingml/2006/main" xmlns:r="http://schemas.openxmlformats.org/officeDocument/2006/relationships" xmlns:p="http://schemas.openxmlformats.org/presentationml/2006/main">
   <p:cSld>
     <p:spTree>
@@ -7208,7 +6171,7 @@
 </p:sld>
 </file>
 
-<file path=ppt/slides/slide18.xml><?xml version="1.0" encoding="utf-8"?>
+<file path=ppt/slides/slide15.xml><?xml version="1.0" encoding="utf-8"?>
 <p:sld xmlns:a="http://schemas.openxmlformats.org/drawingml/2006/main" xmlns:r="http://schemas.openxmlformats.org/officeDocument/2006/relationships" xmlns:p="http://schemas.openxmlformats.org/presentationml/2006/main">
   <p:cSld>
     <p:spTree>
